--- a/docs/assets/img/icons/favicon.pptx
+++ b/docs/assets/img/icons/favicon.pptx
@@ -5,10 +5,11 @@
     <p:sldMasterId id="2147483648" r:id="rId1"/>
   </p:sldMasterIdLst>
   <p:notesMasterIdLst>
-    <p:notesMasterId r:id="rId3"/>
+    <p:notesMasterId r:id="rId4"/>
   </p:notesMasterIdLst>
   <p:sldIdLst>
     <p:sldId id="256" r:id="rId2"/>
+    <p:sldId id="257" r:id="rId3"/>
   </p:sldIdLst>
   <p:sldSz cx="1828800" cy="1828800"/>
   <p:notesSz cx="6858000" cy="9144000"/>
@@ -531,6 +532,95 @@
             <a:fld id="{D3BB07BD-9D03-1D4B-8F63-28EBF56FF831}" type="slidenum">
               <a:rPr lang="en-US" smtClean="0"/>
               <a:t>1</a:t>
+            </a:fld>
+            <a:endParaRPr lang="en-US"/>
+          </a:p>
+        </p:txBody>
+      </p:sp>
+    </p:spTree>
+    <p:extLst>
+      <p:ext uri="{BB962C8B-B14F-4D97-AF65-F5344CB8AC3E}">
+        <p14:creationId xmlns:p14="http://schemas.microsoft.com/office/powerpoint/2010/main" val="468165651"/>
+      </p:ext>
+    </p:extLst>
+  </p:cSld>
+  <p:clrMapOvr>
+    <a:masterClrMapping/>
+  </p:clrMapOvr>
+</p:notes>
+</file>
+
+<file path=ppt/notesSlides/notesSlide2.xml><?xml version="1.0" encoding="utf-8"?>
+<p:notes xmlns:a="http://schemas.openxmlformats.org/drawingml/2006/main" xmlns:r="http://schemas.openxmlformats.org/officeDocument/2006/relationships" xmlns:p="http://schemas.openxmlformats.org/presentationml/2006/main">
+  <p:cSld>
+    <p:spTree>
+      <p:nvGrpSpPr>
+        <p:cNvPr id="1" name=""/>
+        <p:cNvGrpSpPr/>
+        <p:nvPr/>
+      </p:nvGrpSpPr>
+      <p:grpSpPr>
+        <a:xfrm>
+          <a:off x="0" y="0"/>
+          <a:ext cx="0" cy="0"/>
+          <a:chOff x="0" y="0"/>
+          <a:chExt cx="0" cy="0"/>
+        </a:xfrm>
+      </p:grpSpPr>
+      <p:sp>
+        <p:nvSpPr>
+          <p:cNvPr id="2" name="Slide Image Placeholder 1"/>
+          <p:cNvSpPr>
+            <a:spLocks noGrp="1" noRot="1" noChangeAspect="1"/>
+          </p:cNvSpPr>
+          <p:nvPr>
+            <p:ph type="sldImg"/>
+          </p:nvPr>
+        </p:nvSpPr>
+        <p:spPr>
+          <a:xfrm>
+            <a:off x="1714500" y="685800"/>
+            <a:ext cx="3429000" cy="3429000"/>
+          </a:xfrm>
+        </p:spPr>
+      </p:sp>
+      <p:sp>
+        <p:nvSpPr>
+          <p:cNvPr id="3" name="Notes Placeholder 2"/>
+          <p:cNvSpPr>
+            <a:spLocks noGrp="1"/>
+          </p:cNvSpPr>
+          <p:nvPr>
+            <p:ph type="body" idx="1"/>
+          </p:nvPr>
+        </p:nvSpPr>
+        <p:spPr/>
+        <p:txBody>
+          <a:bodyPr/>
+          <a:lstStyle/>
+          <a:p>
+            <a:endParaRPr lang="en-US" dirty="0"/>
+          </a:p>
+        </p:txBody>
+      </p:sp>
+      <p:sp>
+        <p:nvSpPr>
+          <p:cNvPr id="4" name="Slide Number Placeholder 3"/>
+          <p:cNvSpPr>
+            <a:spLocks noGrp="1"/>
+          </p:cNvSpPr>
+          <p:nvPr>
+            <p:ph type="sldNum" sz="quarter" idx="10"/>
+          </p:nvPr>
+        </p:nvSpPr>
+        <p:spPr/>
+        <p:txBody>
+          <a:bodyPr/>
+          <a:lstStyle/>
+          <a:p>
+            <a:fld id="{D3BB07BD-9D03-1D4B-8F63-28EBF56FF831}" type="slidenum">
+              <a:rPr lang="en-US" smtClean="0"/>
+              <a:t>2</a:t>
             </a:fld>
             <a:endParaRPr lang="en-US"/>
           </a:p>
@@ -3591,6 +3681,79 @@
     <p:extLst>
       <p:ext uri="{BB962C8B-B14F-4D97-AF65-F5344CB8AC3E}">
         <p14:creationId xmlns:p14="http://schemas.microsoft.com/office/powerpoint/2010/main" val="715350839"/>
+      </p:ext>
+    </p:extLst>
+  </p:cSld>
+  <p:clrMapOvr>
+    <a:masterClrMapping/>
+  </p:clrMapOvr>
+</p:sld>
+</file>
+
+<file path=ppt/slides/slide2.xml><?xml version="1.0" encoding="utf-8"?>
+<p:sld xmlns:a="http://schemas.openxmlformats.org/drawingml/2006/main" xmlns:r="http://schemas.openxmlformats.org/officeDocument/2006/relationships" xmlns:p="http://schemas.openxmlformats.org/presentationml/2006/main">
+  <p:cSld>
+    <p:spTree>
+      <p:nvGrpSpPr>
+        <p:cNvPr id="1" name=""/>
+        <p:cNvGrpSpPr/>
+        <p:nvPr/>
+      </p:nvGrpSpPr>
+      <p:grpSpPr>
+        <a:xfrm>
+          <a:off x="0" y="0"/>
+          <a:ext cx="0" cy="0"/>
+          <a:chOff x="0" y="0"/>
+          <a:chExt cx="0" cy="0"/>
+        </a:xfrm>
+      </p:grpSpPr>
+      <p:sp>
+        <p:nvSpPr>
+          <p:cNvPr id="4" name="TextBox 3"/>
+          <p:cNvSpPr txBox="1"/>
+          <p:nvPr/>
+        </p:nvSpPr>
+        <p:spPr>
+          <a:xfrm>
+            <a:off x="-6349" y="-206375"/>
+            <a:ext cx="1835149" cy="2123658"/>
+          </a:xfrm>
+          <a:prstGeom prst="rect">
+            <a:avLst/>
+          </a:prstGeom>
+          <a:noFill/>
+        </p:spPr>
+        <p:txBody>
+          <a:bodyPr wrap="square" rtlCol="0">
+            <a:spAutoFit/>
+          </a:bodyPr>
+          <a:lstStyle/>
+          <a:p>
+            <a:pPr algn="ctr"/>
+            <a:r>
+              <a:rPr lang="en-US" sz="13200" b="1" dirty="0" smtClean="0">
+                <a:solidFill>
+                  <a:schemeClr val="bg1"/>
+                </a:solidFill>
+                <a:latin typeface="Helvetica"/>
+                <a:cs typeface="Helvetica"/>
+              </a:rPr>
+              <a:t>K</a:t>
+            </a:r>
+            <a:endParaRPr lang="en-US" sz="13200" b="1" dirty="0">
+              <a:solidFill>
+                <a:schemeClr val="bg1"/>
+              </a:solidFill>
+              <a:latin typeface="Helvetica"/>
+              <a:cs typeface="Helvetica"/>
+            </a:endParaRPr>
+          </a:p>
+        </p:txBody>
+      </p:sp>
+    </p:spTree>
+    <p:extLst>
+      <p:ext uri="{BB962C8B-B14F-4D97-AF65-F5344CB8AC3E}">
+        <p14:creationId xmlns:p14="http://schemas.microsoft.com/office/powerpoint/2010/main" val="3917035741"/>
       </p:ext>
     </p:extLst>
   </p:cSld>
